--- a/Documentation/Презентация.pptx
+++ b/Documentation/Презентация.pptx
@@ -113,6 +113,22 @@
       </a:defRPr>
     </a:lvl9pPr>
   </p:defaultTextStyle>
+  <p:extLst>
+    <p:ext uri="{EFAFB233-063F-42B5-8137-9DF3F51BA10A}">
+      <p15:sldGuideLst xmlns:p15="http://schemas.microsoft.com/office/powerpoint/2012/main">
+        <p15:guide id="1" orient="horz" pos="2160">
+          <p15:clr>
+            <a:srgbClr val="A4A3A4"/>
+          </p15:clr>
+        </p15:guide>
+        <p15:guide id="2" pos="2880">
+          <p15:clr>
+            <a:srgbClr val="A4A3A4"/>
+          </p15:clr>
+        </p15:guide>
+      </p15:sldGuideLst>
+    </p:ext>
+  </p:extLst>
 </p:presentation>
 </file>
 
@@ -297,7 +313,7 @@
           <a:p>
             <a:fld id="{B4C71EC6-210F-42DE-9C53-41977AD35B3D}" type="datetimeFigureOut">
               <a:rPr lang="ru-RU" smtClean="0"/>
-              <a:t>30.01.2022</a:t>
+              <a:t>01.02.2022</a:t>
             </a:fld>
             <a:endParaRPr lang="ru-RU"/>
           </a:p>
@@ -462,7 +478,7 @@
           <a:p>
             <a:fld id="{B4C71EC6-210F-42DE-9C53-41977AD35B3D}" type="datetimeFigureOut">
               <a:rPr lang="ru-RU" smtClean="0"/>
-              <a:t>30.01.2022</a:t>
+              <a:t>01.02.2022</a:t>
             </a:fld>
             <a:endParaRPr lang="ru-RU"/>
           </a:p>
@@ -637,7 +653,7 @@
           <a:p>
             <a:fld id="{B4C71EC6-210F-42DE-9C53-41977AD35B3D}" type="datetimeFigureOut">
               <a:rPr lang="ru-RU" smtClean="0"/>
-              <a:t>30.01.2022</a:t>
+              <a:t>01.02.2022</a:t>
             </a:fld>
             <a:endParaRPr lang="ru-RU"/>
           </a:p>
@@ -802,7 +818,7 @@
           <a:p>
             <a:fld id="{B4C71EC6-210F-42DE-9C53-41977AD35B3D}" type="datetimeFigureOut">
               <a:rPr lang="ru-RU" smtClean="0"/>
-              <a:t>30.01.2022</a:t>
+              <a:t>01.02.2022</a:t>
             </a:fld>
             <a:endParaRPr lang="ru-RU"/>
           </a:p>
@@ -1043,7 +1059,7 @@
           <a:p>
             <a:fld id="{B4C71EC6-210F-42DE-9C53-41977AD35B3D}" type="datetimeFigureOut">
               <a:rPr lang="ru-RU" smtClean="0"/>
-              <a:t>30.01.2022</a:t>
+              <a:t>01.02.2022</a:t>
             </a:fld>
             <a:endParaRPr lang="ru-RU"/>
           </a:p>
@@ -1326,7 +1342,7 @@
           <a:p>
             <a:fld id="{B4C71EC6-210F-42DE-9C53-41977AD35B3D}" type="datetimeFigureOut">
               <a:rPr lang="ru-RU" smtClean="0"/>
-              <a:t>30.01.2022</a:t>
+              <a:t>01.02.2022</a:t>
             </a:fld>
             <a:endParaRPr lang="ru-RU"/>
           </a:p>
@@ -1743,7 +1759,7 @@
           <a:p>
             <a:fld id="{B4C71EC6-210F-42DE-9C53-41977AD35B3D}" type="datetimeFigureOut">
               <a:rPr lang="ru-RU" smtClean="0"/>
-              <a:t>30.01.2022</a:t>
+              <a:t>01.02.2022</a:t>
             </a:fld>
             <a:endParaRPr lang="ru-RU"/>
           </a:p>
@@ -1856,7 +1872,7 @@
           <a:p>
             <a:fld id="{B4C71EC6-210F-42DE-9C53-41977AD35B3D}" type="datetimeFigureOut">
               <a:rPr lang="ru-RU" smtClean="0"/>
-              <a:t>30.01.2022</a:t>
+              <a:t>01.02.2022</a:t>
             </a:fld>
             <a:endParaRPr lang="ru-RU"/>
           </a:p>
@@ -1946,7 +1962,7 @@
           <a:p>
             <a:fld id="{B4C71EC6-210F-42DE-9C53-41977AD35B3D}" type="datetimeFigureOut">
               <a:rPr lang="ru-RU" smtClean="0"/>
-              <a:t>30.01.2022</a:t>
+              <a:t>01.02.2022</a:t>
             </a:fld>
             <a:endParaRPr lang="ru-RU"/>
           </a:p>
@@ -2218,7 +2234,7 @@
           <a:p>
             <a:fld id="{B4C71EC6-210F-42DE-9C53-41977AD35B3D}" type="datetimeFigureOut">
               <a:rPr lang="ru-RU" smtClean="0"/>
-              <a:t>30.01.2022</a:t>
+              <a:t>01.02.2022</a:t>
             </a:fld>
             <a:endParaRPr lang="ru-RU"/>
           </a:p>
@@ -2466,7 +2482,7 @@
           <a:p>
             <a:fld id="{B4C71EC6-210F-42DE-9C53-41977AD35B3D}" type="datetimeFigureOut">
               <a:rPr lang="ru-RU" smtClean="0"/>
-              <a:t>30.01.2022</a:t>
+              <a:t>01.02.2022</a:t>
             </a:fld>
             <a:endParaRPr lang="ru-RU"/>
           </a:p>
@@ -2677,7 +2693,7 @@
           <a:p>
             <a:fld id="{B4C71EC6-210F-42DE-9C53-41977AD35B3D}" type="datetimeFigureOut">
               <a:rPr lang="ru-RU" smtClean="0"/>
-              <a:t>30.01.2022</a:t>
+              <a:t>01.02.2022</a:t>
             </a:fld>
             <a:endParaRPr lang="ru-RU"/>
           </a:p>
@@ -3328,15 +3344,7 @@
                   <a:schemeClr val="bg1"/>
                 </a:solidFill>
               </a:rPr>
-              <a:t>, которая является клоном </a:t>
-            </a:r>
-            <a:r>
-              <a:rPr lang="ru-RU" dirty="0" smtClean="0">
-                <a:solidFill>
-                  <a:schemeClr val="bg1"/>
-                </a:solidFill>
-              </a:rPr>
-              <a:t>боевой системы другой</a:t>
+              <a:t>, которая является клоном боевой системы другой</a:t>
             </a:r>
             <a:r>
               <a:rPr lang="en-US" dirty="0" smtClean="0">
@@ -3537,7 +3545,15 @@
                   <a:schemeClr val="bg1"/>
                 </a:solidFill>
               </a:rPr>
-              <a:t>версие</a:t>
+              <a:t>версией </a:t>
+            </a:r>
+            <a:r>
+              <a:rPr lang="ru-RU" sz="2800" dirty="0" err="1" smtClean="0">
+                <a:solidFill>
+                  <a:schemeClr val="bg1"/>
+                </a:solidFill>
+              </a:rPr>
+              <a:t>боёвки</a:t>
             </a:r>
             <a:r>
               <a:rPr lang="ru-RU" sz="2800" dirty="0" smtClean="0">
@@ -3545,15 +3561,7 @@
                   <a:schemeClr val="bg1"/>
                 </a:solidFill>
               </a:rPr>
-              <a:t>й </a:t>
-            </a:r>
-            <a:r>
-              <a:rPr lang="ru-RU" sz="2800" dirty="0" err="1" smtClean="0">
-                <a:solidFill>
-                  <a:schemeClr val="bg1"/>
-                </a:solidFill>
-              </a:rPr>
-              <a:t>боёвки</a:t>
+              <a:t> </a:t>
             </a:r>
             <a:r>
               <a:rPr lang="ru-RU" sz="2800" dirty="0" smtClean="0">
@@ -3561,15 +3569,7 @@
                   <a:schemeClr val="bg1"/>
                 </a:solidFill>
               </a:rPr>
-              <a:t> </a:t>
-            </a:r>
-            <a:r>
-              <a:rPr lang="en-US" sz="2800" dirty="0" err="1" smtClean="0">
-                <a:solidFill>
-                  <a:schemeClr val="bg1"/>
-                </a:solidFill>
-              </a:rPr>
-              <a:t>Undertale</a:t>
+              <a:t>этой игры, </a:t>
             </a:r>
             <a:r>
               <a:rPr lang="ru-RU" sz="2800" dirty="0" smtClean="0">
@@ -3577,7 +3577,7 @@
                   <a:schemeClr val="bg1"/>
                 </a:solidFill>
               </a:rPr>
-              <a:t>, </a:t>
+              <a:t>как было сказано ранее. Но для самого себя это можно назвать первым опытом в создании простых </a:t>
             </a:r>
             <a:r>
               <a:rPr lang="ru-RU" sz="2800" dirty="0" smtClean="0">
@@ -3585,15 +3585,7 @@
                   <a:schemeClr val="bg1"/>
                 </a:solidFill>
               </a:rPr>
-              <a:t>как было сказано </a:t>
-            </a:r>
-            <a:r>
-              <a:rPr lang="ru-RU" sz="2800" dirty="0" smtClean="0">
-                <a:solidFill>
-                  <a:schemeClr val="bg1"/>
-                </a:solidFill>
-              </a:rPr>
-              <a:t>ранее. Но для самого себя это можно назвать первым опытом в создании простых концовок</a:t>
+              <a:t>концовок.</a:t>
             </a:r>
             <a:endParaRPr lang="ru-RU" sz="2800" dirty="0">
               <a:solidFill>
@@ -3805,12 +3797,20 @@
           <a:lstStyle/>
           <a:p>
             <a:r>
+              <a:rPr lang="ru-RU" dirty="0" smtClean="0">
+                <a:solidFill>
+                  <a:schemeClr val="bg1"/>
+                </a:solidFill>
+              </a:rPr>
+              <a:t>Игра </a:t>
+            </a:r>
+            <a:r>
               <a:rPr lang="ru-RU" dirty="0">
                 <a:solidFill>
                   <a:schemeClr val="bg1"/>
                 </a:solidFill>
               </a:rPr>
-              <a:t>Программа была написана на языке программирования</a:t>
+              <a:t>была написана на языке программирования</a:t>
             </a:r>
             <a:r>
               <a:rPr lang="en-US" dirty="0">
@@ -3845,13 +3845,44 @@
               <a:t>Pygame</a:t>
             </a:r>
             <a:r>
-              <a:rPr lang="ru-RU" dirty="0">
+              <a:rPr lang="ru-RU" dirty="0" smtClean="0">
                 <a:solidFill>
                   <a:schemeClr val="bg1"/>
                 </a:solidFill>
               </a:rPr>
               <a:t>.</a:t>
             </a:r>
+          </a:p>
+          <a:p>
+            <a:r>
+              <a:rPr lang="ru-RU" dirty="0" smtClean="0">
+                <a:solidFill>
+                  <a:schemeClr val="bg1"/>
+                </a:solidFill>
+              </a:rPr>
+              <a:t>Присутствует только игровой процесс, меню </a:t>
+            </a:r>
+            <a:r>
+              <a:rPr lang="ru-RU" dirty="0" smtClean="0">
+                <a:solidFill>
+                  <a:schemeClr val="bg1"/>
+                </a:solidFill>
+              </a:rPr>
+              <a:t>и рейтингов нет</a:t>
+            </a:r>
+            <a:r>
+              <a:rPr lang="ru-RU" dirty="0" smtClean="0">
+                <a:solidFill>
+                  <a:schemeClr val="bg1"/>
+                </a:solidFill>
+              </a:rPr>
+              <a:t>. При проигрыше есть выбор: начать заново или выключить игру.</a:t>
+            </a:r>
+            <a:endParaRPr lang="en-US" dirty="0" smtClean="0">
+              <a:solidFill>
+                <a:schemeClr val="bg1"/>
+              </a:solidFill>
+            </a:endParaRPr>
           </a:p>
         </p:txBody>
       </p:sp>
@@ -3931,7 +3962,9 @@
         </p:nvSpPr>
         <p:spPr/>
         <p:txBody>
-          <a:bodyPr/>
+          <a:bodyPr>
+            <a:normAutofit/>
+          </a:bodyPr>
           <a:lstStyle/>
           <a:p>
             <a:pPr marL="514350" indent="-514350">
@@ -3944,7 +3977,7 @@
                   <a:schemeClr val="bg1"/>
                 </a:solidFill>
               </a:rPr>
-              <a:t>Создание экрана </a:t>
+              <a:t>Экран </a:t>
             </a:r>
             <a:r>
               <a:rPr lang="en-US" dirty="0" err="1" smtClean="0">
@@ -3982,7 +4015,15 @@
                   <a:schemeClr val="bg1"/>
                 </a:solidFill>
               </a:rPr>
-              <a:t>Создание игрока, стены, пули, полоски здоровья.</a:t>
+              <a:t>Игрок, стена, пуля, полоска </a:t>
+            </a:r>
+            <a:r>
+              <a:rPr lang="ru-RU" dirty="0" smtClean="0">
+                <a:solidFill>
+                  <a:schemeClr val="bg1"/>
+                </a:solidFill>
+              </a:rPr>
+              <a:t>здоровья.</a:t>
             </a:r>
           </a:p>
           <a:p>
@@ -3991,13 +4032,42 @@
               <a:buAutoNum type="arabicPeriod"/>
             </a:pPr>
             <a:r>
+              <a:rPr lang="ru-RU" dirty="0" err="1" smtClean="0">
+                <a:solidFill>
+                  <a:schemeClr val="bg1"/>
+                </a:solidFill>
+              </a:rPr>
+              <a:t>Протошка</a:t>
+            </a:r>
+            <a:r>
               <a:rPr lang="ru-RU" dirty="0" smtClean="0">
                 <a:solidFill>
                   <a:schemeClr val="bg1"/>
                 </a:solidFill>
               </a:rPr>
-              <a:t>Создание врага, его состояний.</a:t>
-            </a:r>
+              <a:t> (играет роль врага), </a:t>
+            </a:r>
+            <a:r>
+              <a:rPr lang="ru-RU" dirty="0" smtClean="0">
+                <a:solidFill>
+                  <a:schemeClr val="bg1"/>
+                </a:solidFill>
+              </a:rPr>
+              <a:t>его </a:t>
+            </a:r>
+            <a:r>
+              <a:rPr lang="ru-RU" dirty="0" smtClean="0">
+                <a:solidFill>
+                  <a:schemeClr val="bg1"/>
+                </a:solidFill>
+              </a:rPr>
+              <a:t>состояния.</a:t>
+            </a:r>
+            <a:endParaRPr lang="ru-RU" dirty="0" smtClean="0">
+              <a:solidFill>
+                <a:schemeClr val="bg1"/>
+              </a:solidFill>
+            </a:endParaRPr>
           </a:p>
           <a:p>
             <a:pPr marL="514350" indent="-514350">
@@ -4010,7 +4080,15 @@
                   <a:schemeClr val="bg1"/>
                 </a:solidFill>
               </a:rPr>
-              <a:t>Создание пошагового </a:t>
+              <a:t>П</a:t>
+            </a:r>
+            <a:r>
+              <a:rPr lang="ru-RU" dirty="0" smtClean="0">
+                <a:solidFill>
+                  <a:schemeClr val="bg1"/>
+                </a:solidFill>
+              </a:rPr>
+              <a:t>ошаговый </a:t>
             </a:r>
             <a:r>
               <a:rPr lang="ru-RU" dirty="0" err="1" smtClean="0">
@@ -4018,7 +4096,7 @@
                   <a:schemeClr val="bg1"/>
                 </a:solidFill>
               </a:rPr>
-              <a:t>геймплея</a:t>
+              <a:t>геймплей</a:t>
             </a:r>
             <a:r>
               <a:rPr lang="ru-RU" dirty="0" smtClean="0">
@@ -4026,8 +4104,13 @@
                   <a:schemeClr val="bg1"/>
                 </a:solidFill>
               </a:rPr>
-              <a:t>.</a:t>
-            </a:r>
+              <a:t> (игровой процесс).</a:t>
+            </a:r>
+            <a:endParaRPr lang="ru-RU" dirty="0" smtClean="0">
+              <a:solidFill>
+                <a:schemeClr val="bg1"/>
+              </a:solidFill>
+            </a:endParaRPr>
           </a:p>
           <a:p>
             <a:pPr marL="514350" indent="-514350">
@@ -4040,7 +4123,31 @@
                   <a:schemeClr val="bg1"/>
                 </a:solidFill>
               </a:rPr>
-              <a:t>Создание сложного режима и двух концовок.</a:t>
+              <a:t>С</a:t>
+            </a:r>
+            <a:r>
+              <a:rPr lang="ru-RU" dirty="0" smtClean="0">
+                <a:solidFill>
+                  <a:schemeClr val="bg1"/>
+                </a:solidFill>
+              </a:rPr>
+              <a:t>ложный режим </a:t>
+            </a:r>
+            <a:r>
+              <a:rPr lang="ru-RU" dirty="0" smtClean="0">
+                <a:solidFill>
+                  <a:schemeClr val="bg1"/>
+                </a:solidFill>
+              </a:rPr>
+              <a:t>и </a:t>
+            </a:r>
+            <a:r>
+              <a:rPr lang="ru-RU" dirty="0" smtClean="0">
+                <a:solidFill>
+                  <a:schemeClr val="bg1"/>
+                </a:solidFill>
+              </a:rPr>
+              <a:t>две концовки.</a:t>
             </a:r>
             <a:endParaRPr lang="ru-RU" dirty="0">
               <a:solidFill>
@@ -4172,6 +4279,28 @@
           </a:p>
         </p:txBody>
       </p:sp>
+      <p:pic>
+        <p:nvPicPr>
+          <p:cNvPr id="5" name="Рисунок 4"/>
+          <p:cNvPicPr/>
+          <p:nvPr/>
+        </p:nvPicPr>
+        <p:blipFill>
+          <a:blip r:embed="rId2"/>
+          <a:stretch>
+            <a:fillRect/>
+          </a:stretch>
+        </p:blipFill>
+        <p:spPr>
+          <a:xfrm>
+            <a:off x="2128520" y="2780928"/>
+            <a:ext cx="4886960" cy="3850640"/>
+          </a:xfrm>
+          <a:prstGeom prst="rect">
+            <a:avLst/>
+          </a:prstGeom>
+        </p:spPr>
+      </p:pic>
     </p:spTree>
     <p:extLst>
       <p:ext uri="{BB962C8B-B14F-4D97-AF65-F5344CB8AC3E}">
@@ -4222,7 +4351,7 @@
         <p:spPr/>
         <p:txBody>
           <a:bodyPr>
-            <a:normAutofit lnSpcReduction="10000"/>
+            <a:normAutofit fontScale="92500" lnSpcReduction="10000"/>
           </a:bodyPr>
           <a:lstStyle/>
           <a:p>
@@ -4242,19 +4371,64 @@
                   <a:schemeClr val="bg1"/>
                 </a:solidFill>
               </a:rPr>
-              <a:t>Будут атаки в виде примеров с обманом, вроде 2 + 2 * 2, которые надо решать.</a:t>
-            </a:r>
-          </a:p>
-          <a:p>
+              <a:t>Будут атаки в виде примеров с обманом, вроде 2 + 2 * 2, которые надо </a:t>
+            </a:r>
             <a:r>
               <a:rPr lang="ru-RU" dirty="0" smtClean="0">
                 <a:solidFill>
                   <a:schemeClr val="bg1"/>
                 </a:solidFill>
               </a:rPr>
-              <a:t>Надо сделать анимацию атаки игрока, как в оригинале, а ещё сделать распад души на кусочки при проигрыше.</a:t>
-            </a:r>
-            <a:endParaRPr lang="ru-RU" dirty="0">
+              <a:t>решать</a:t>
+            </a:r>
+            <a:r>
+              <a:rPr lang="en-US" dirty="0" smtClean="0">
+                <a:solidFill>
+                  <a:schemeClr val="bg1"/>
+                </a:solidFill>
+              </a:rPr>
+              <a:t>, </a:t>
+            </a:r>
+            <a:r>
+              <a:rPr lang="ru-RU" dirty="0" smtClean="0">
+                <a:solidFill>
+                  <a:schemeClr val="bg1"/>
+                </a:solidFill>
+              </a:rPr>
+              <a:t>а игрок должен будет наступать на правильный ответ</a:t>
+            </a:r>
+            <a:r>
+              <a:rPr lang="ru-RU" dirty="0" smtClean="0">
+                <a:solidFill>
+                  <a:schemeClr val="bg1"/>
+                </a:solidFill>
+              </a:rPr>
+              <a:t>. Если он ответит неверно, то получит урон.</a:t>
+            </a:r>
+            <a:endParaRPr lang="ru-RU" dirty="0" smtClean="0">
+              <a:solidFill>
+                <a:schemeClr val="bg1"/>
+              </a:solidFill>
+            </a:endParaRPr>
+          </a:p>
+          <a:p>
+            <a:r>
+              <a:rPr lang="ru-RU" dirty="0" smtClean="0">
+                <a:solidFill>
+                  <a:schemeClr val="bg1"/>
+                </a:solidFill>
+              </a:rPr>
+              <a:t>Надо сделать анимацию атаки игрока, как в оригинале, а ещё сделать распад души на кусочки при проигрыше</a:t>
+            </a:r>
+            <a:r>
+              <a:rPr lang="ru-RU" dirty="0" smtClean="0">
+                <a:solidFill>
+                  <a:schemeClr val="bg1"/>
+                </a:solidFill>
+              </a:rPr>
+              <a:t>.</a:t>
+            </a:r>
+            <a:endParaRPr lang="en-US" dirty="0" smtClean="0">
               <a:solidFill>
                 <a:schemeClr val="bg1"/>
               </a:solidFill>
